--- a/Presentations/Défi ESP.pptx
+++ b/Presentations/Défi ESP.pptx
@@ -17128,8 +17128,68 @@
         </p:blipFill>
         <p:spPr>
           <a:xfrm>
-            <a:off x="5297763" y="1529313"/>
-            <a:ext cx="6250769" cy="3638507"/>
+            <a:off x="5297763" y="283254"/>
+            <a:ext cx="6250769" cy="2354790"/>
+          </a:xfrm>
+          <a:prstGeom prst="rect">
+            <a:avLst/>
+          </a:prstGeom>
+        </p:spPr>
+      </p:pic>
+      <p:pic>
+        <p:nvPicPr>
+          <p:cNvPr id="5" name="Image 4">
+            <a:extLst>
+              <a:ext uri="{FF2B5EF4-FFF2-40B4-BE49-F238E27FC236}">
+                <a16:creationId xmlns:a16="http://schemas.microsoft.com/office/drawing/2014/main" id="{531D21D0-F441-4AF4-9CCD-91674AA7E227}"/>
+              </a:ext>
+            </a:extLst>
+          </p:cNvPr>
+          <p:cNvPicPr>
+            <a:picLocks noChangeAspect="1"/>
+          </p:cNvPicPr>
+          <p:nvPr/>
+        </p:nvPicPr>
+        <p:blipFill>
+          <a:blip r:embed="rId3"/>
+          <a:stretch>
+            <a:fillRect/>
+          </a:stretch>
+        </p:blipFill>
+        <p:spPr>
+          <a:xfrm>
+            <a:off x="8065702" y="2849888"/>
+            <a:ext cx="4013290" cy="3500578"/>
+          </a:xfrm>
+          <a:prstGeom prst="rect">
+            <a:avLst/>
+          </a:prstGeom>
+        </p:spPr>
+      </p:pic>
+      <p:pic>
+        <p:nvPicPr>
+          <p:cNvPr id="6" name="Image 5">
+            <a:extLst>
+              <a:ext uri="{FF2B5EF4-FFF2-40B4-BE49-F238E27FC236}">
+                <a16:creationId xmlns:a16="http://schemas.microsoft.com/office/drawing/2014/main" id="{06AC3BB1-2469-4EA9-804B-ADC12E8B3900}"/>
+              </a:ext>
+            </a:extLst>
+          </p:cNvPr>
+          <p:cNvPicPr>
+            <a:picLocks noChangeAspect="1"/>
+          </p:cNvPicPr>
+          <p:nvPr/>
+        </p:nvPicPr>
+        <p:blipFill>
+          <a:blip r:embed="rId4"/>
+          <a:stretch>
+            <a:fillRect/>
+          </a:stretch>
+        </p:blipFill>
+        <p:spPr>
+          <a:xfrm>
+            <a:off x="4955438" y="3219362"/>
+            <a:ext cx="2997257" cy="2693870"/>
           </a:xfrm>
           <a:prstGeom prst="rect">
             <a:avLst/>

--- a/Presentations/Défi ESP.pptx
+++ b/Presentations/Défi ESP.pptx
@@ -12412,7 +12412,7 @@
           <a:p>
             <a:fld id="{115E01AD-002F-48DF-AE7B-6E43BD1FC927}" type="datetimeFigureOut">
               <a:rPr lang="fr-CA" smtClean="0"/>
-              <a:t>2020-05-25</a:t>
+              <a:t>2020-05-26</a:t>
             </a:fld>
             <a:endParaRPr lang="fr-CA"/>
           </a:p>
@@ -12582,7 +12582,7 @@
           <a:p>
             <a:fld id="{115E01AD-002F-48DF-AE7B-6E43BD1FC927}" type="datetimeFigureOut">
               <a:rPr lang="fr-CA" smtClean="0"/>
-              <a:t>2020-05-25</a:t>
+              <a:t>2020-05-26</a:t>
             </a:fld>
             <a:endParaRPr lang="fr-CA"/>
           </a:p>
@@ -12762,7 +12762,7 @@
           <a:p>
             <a:fld id="{115E01AD-002F-48DF-AE7B-6E43BD1FC927}" type="datetimeFigureOut">
               <a:rPr lang="fr-CA" smtClean="0"/>
-              <a:t>2020-05-25</a:t>
+              <a:t>2020-05-26</a:t>
             </a:fld>
             <a:endParaRPr lang="fr-CA"/>
           </a:p>
@@ -12932,7 +12932,7 @@
           <a:p>
             <a:fld id="{115E01AD-002F-48DF-AE7B-6E43BD1FC927}" type="datetimeFigureOut">
               <a:rPr lang="fr-CA" smtClean="0"/>
-              <a:t>2020-05-25</a:t>
+              <a:t>2020-05-26</a:t>
             </a:fld>
             <a:endParaRPr lang="fr-CA"/>
           </a:p>
@@ -13200,7 +13200,7 @@
           <a:p>
             <a:fld id="{115E01AD-002F-48DF-AE7B-6E43BD1FC927}" type="datetimeFigureOut">
               <a:rPr lang="fr-CA" smtClean="0"/>
-              <a:t>2020-05-25</a:t>
+              <a:t>2020-05-26</a:t>
             </a:fld>
             <a:endParaRPr lang="fr-CA"/>
           </a:p>
@@ -13432,7 +13432,7 @@
           <a:p>
             <a:fld id="{115E01AD-002F-48DF-AE7B-6E43BD1FC927}" type="datetimeFigureOut">
               <a:rPr lang="fr-CA" smtClean="0"/>
-              <a:t>2020-05-25</a:t>
+              <a:t>2020-05-26</a:t>
             </a:fld>
             <a:endParaRPr lang="fr-CA"/>
           </a:p>
@@ -13791,7 +13791,7 @@
           <a:p>
             <a:fld id="{115E01AD-002F-48DF-AE7B-6E43BD1FC927}" type="datetimeFigureOut">
               <a:rPr lang="fr-CA" smtClean="0"/>
-              <a:t>2020-05-25</a:t>
+              <a:t>2020-05-26</a:t>
             </a:fld>
             <a:endParaRPr lang="fr-CA"/>
           </a:p>
@@ -13932,7 +13932,7 @@
           <a:p>
             <a:fld id="{115E01AD-002F-48DF-AE7B-6E43BD1FC927}" type="datetimeFigureOut">
               <a:rPr lang="fr-CA" smtClean="0"/>
-              <a:t>2020-05-25</a:t>
+              <a:t>2020-05-26</a:t>
             </a:fld>
             <a:endParaRPr lang="fr-CA"/>
           </a:p>
@@ -14027,7 +14027,7 @@
           <a:p>
             <a:fld id="{115E01AD-002F-48DF-AE7B-6E43BD1FC927}" type="datetimeFigureOut">
               <a:rPr lang="fr-CA" smtClean="0"/>
-              <a:t>2020-05-25</a:t>
+              <a:t>2020-05-26</a:t>
             </a:fld>
             <a:endParaRPr lang="fr-CA"/>
           </a:p>
@@ -14384,7 +14384,7 @@
           <a:p>
             <a:fld id="{115E01AD-002F-48DF-AE7B-6E43BD1FC927}" type="datetimeFigureOut">
               <a:rPr lang="fr-CA" smtClean="0"/>
-              <a:t>2020-05-25</a:t>
+              <a:t>2020-05-26</a:t>
             </a:fld>
             <a:endParaRPr lang="fr-CA"/>
           </a:p>
@@ -14741,7 +14741,7 @@
           <a:p>
             <a:fld id="{115E01AD-002F-48DF-AE7B-6E43BD1FC927}" type="datetimeFigureOut">
               <a:rPr lang="fr-CA" smtClean="0"/>
-              <a:t>2020-05-25</a:t>
+              <a:t>2020-05-26</a:t>
             </a:fld>
             <a:endParaRPr lang="fr-CA"/>
           </a:p>
@@ -14983,7 +14983,7 @@
           <a:p>
             <a:fld id="{115E01AD-002F-48DF-AE7B-6E43BD1FC927}" type="datetimeFigureOut">
               <a:rPr lang="fr-CA" smtClean="0"/>
-              <a:t>2020-05-25</a:t>
+              <a:t>2020-05-26</a:t>
             </a:fld>
             <a:endParaRPr lang="fr-CA"/>
           </a:p>
@@ -16660,7 +16660,7 @@
       </p:grpSpPr>
       <p:sp useBgFill="1">
         <p:nvSpPr>
-          <p:cNvPr id="15" name="Rectangle 8">
+          <p:cNvPr id="21" name="Rectangle 20">
             <a:extLst>
               <a:ext uri="{FF2B5EF4-FFF2-40B4-BE49-F238E27FC236}">
                 <a16:creationId xmlns:a16="http://schemas.microsoft.com/office/drawing/2014/main" id="{1660E788-AFA9-4A1B-9991-6AA74632A15B}"/>
@@ -16720,7 +16720,7 @@
       </p:sp>
       <p:sp>
         <p:nvSpPr>
-          <p:cNvPr id="16" name="Rectangle 10">
+          <p:cNvPr id="23" name="Rectangle 22">
             <a:extLst>
               <a:ext uri="{FF2B5EF4-FFF2-40B4-BE49-F238E27FC236}">
                 <a16:creationId xmlns:a16="http://schemas.microsoft.com/office/drawing/2014/main" id="{867D4867-5BA7-4462-B2F6-A23F4A622AA7}"/>
@@ -16743,8 +16743,8 @@
         </p:nvSpPr>
         <p:spPr>
           <a:xfrm>
-            <a:off x="0" y="0"/>
-            <a:ext cx="4654296" cy="6858000"/>
+            <a:off x="-1" y="0"/>
+            <a:ext cx="7544653" cy="6858000"/>
           </a:xfrm>
           <a:prstGeom prst="rect">
             <a:avLst/>
@@ -16797,8 +16797,8 @@
         </p:nvSpPr>
         <p:spPr>
           <a:xfrm>
-            <a:off x="643467" y="643467"/>
-            <a:ext cx="3363974" cy="1728044"/>
+            <a:off x="643466" y="643467"/>
+            <a:ext cx="6242719" cy="1728044"/>
           </a:xfrm>
           <a:noFill/>
           <a:ln>
@@ -16824,6 +16824,36 @@
           </a:p>
         </p:txBody>
       </p:sp>
+      <p:pic>
+        <p:nvPicPr>
+          <p:cNvPr id="5" name="Image 4">
+            <a:extLst>
+              <a:ext uri="{FF2B5EF4-FFF2-40B4-BE49-F238E27FC236}">
+                <a16:creationId xmlns:a16="http://schemas.microsoft.com/office/drawing/2014/main" id="{D9FC0BFA-2AA0-4350-B354-FEF0D73558CD}"/>
+              </a:ext>
+            </a:extLst>
+          </p:cNvPr>
+          <p:cNvPicPr>
+            <a:picLocks noChangeAspect="1"/>
+          </p:cNvPicPr>
+          <p:nvPr/>
+        </p:nvPicPr>
+        <p:blipFill>
+          <a:blip r:embed="rId2"/>
+          <a:stretch>
+            <a:fillRect/>
+          </a:stretch>
+        </p:blipFill>
+        <p:spPr>
+          <a:xfrm>
+            <a:off x="8457448" y="2638044"/>
+            <a:ext cx="2821755" cy="1721271"/>
+          </a:xfrm>
+          <a:prstGeom prst="rect">
+            <a:avLst/>
+          </a:prstGeom>
+        </p:spPr>
+      </p:pic>
       <p:sp>
         <p:nvSpPr>
           <p:cNvPr id="3" name="Espace réservé du contenu 2">
@@ -16842,8 +16872,8 @@
         </p:nvSpPr>
         <p:spPr>
           <a:xfrm>
-            <a:off x="643468" y="2638044"/>
-            <a:ext cx="3363974" cy="3415622"/>
+            <a:off x="643467" y="2638044"/>
+            <a:ext cx="6242715" cy="3415622"/>
           </a:xfrm>
         </p:spPr>
         <p:txBody>
@@ -16858,7 +16888,7 @@
               </a:lnSpc>
             </a:pPr>
             <a:r>
-              <a:rPr lang="fr-CA" sz="1100" dirty="0">
+              <a:rPr lang="fr-CA" sz="1300">
                 <a:solidFill>
                   <a:schemeClr val="bg1"/>
                 </a:solidFill>
@@ -16873,7 +16903,7 @@
               </a:lnSpc>
             </a:pPr>
             <a:r>
-              <a:rPr lang="fr-CA" sz="1100" dirty="0">
+              <a:rPr lang="fr-CA" sz="1300">
                 <a:solidFill>
                   <a:schemeClr val="bg1"/>
                 </a:solidFill>
@@ -16888,7 +16918,7 @@
               </a:lnSpc>
             </a:pPr>
             <a:r>
-              <a:rPr lang="fr-CA" sz="1100" dirty="0">
+              <a:rPr lang="fr-CA" sz="1300">
                 <a:solidFill>
                   <a:schemeClr val="bg1"/>
                 </a:solidFill>
@@ -16903,7 +16933,7 @@
               </a:lnSpc>
             </a:pPr>
             <a:r>
-              <a:rPr lang="fr-CA" sz="1100" dirty="0">
+              <a:rPr lang="fr-CA" sz="1300">
                 <a:solidFill>
                   <a:schemeClr val="bg1"/>
                 </a:solidFill>
@@ -16918,7 +16948,7 @@
               </a:lnSpc>
             </a:pPr>
             <a:r>
-              <a:rPr lang="fr-CA" sz="1100" dirty="0">
+              <a:rPr lang="fr-CA" sz="1300">
                 <a:solidFill>
                   <a:schemeClr val="bg1"/>
                 </a:solidFill>
@@ -16933,7 +16963,7 @@
               </a:lnSpc>
             </a:pPr>
             <a:r>
-              <a:rPr lang="fr-CA" sz="1100" dirty="0">
+              <a:rPr lang="fr-CA" sz="1300">
                 <a:solidFill>
                   <a:schemeClr val="bg1"/>
                 </a:solidFill>
@@ -16948,7 +16978,7 @@
               </a:lnSpc>
             </a:pPr>
             <a:r>
-              <a:rPr lang="fr-CA" sz="1100" dirty="0">
+              <a:rPr lang="fr-CA" sz="1300">
                 <a:solidFill>
                   <a:schemeClr val="bg1"/>
                 </a:solidFill>
@@ -16963,7 +16993,7 @@
               </a:lnSpc>
             </a:pPr>
             <a:r>
-              <a:rPr lang="fr-CA" sz="1100" dirty="0">
+              <a:rPr lang="fr-CA" sz="1300">
                 <a:solidFill>
                   <a:schemeClr val="bg1"/>
                 </a:solidFill>
@@ -16971,52 +17001,20 @@
               <a:t>Remplaçable par </a:t>
             </a:r>
             <a:r>
-              <a:rPr lang="en-US" sz="1100" dirty="0">
+              <a:rPr lang="en-US" sz="1300">
                 <a:solidFill>
                   <a:schemeClr val="bg1"/>
                 </a:solidFill>
               </a:rPr>
-              <a:t>clavier (</a:t>
+              <a:t>clavier (si probl</a:t>
             </a:r>
             <a:r>
-              <a:rPr lang="en-US" sz="1100" dirty="0" err="1">
+              <a:rPr lang="fr-CA" sz="1300">
                 <a:solidFill>
                   <a:schemeClr val="bg1"/>
                 </a:solidFill>
               </a:rPr>
-              <a:t>si</a:t>
-            </a:r>
-            <a:r>
-              <a:rPr lang="en-US" sz="1100" dirty="0">
-                <a:solidFill>
-                  <a:schemeClr val="bg1"/>
-                </a:solidFill>
-              </a:rPr>
-              <a:t> </a:t>
-            </a:r>
-            <a:r>
-              <a:rPr lang="en-US" sz="1100" dirty="0" err="1">
-                <a:solidFill>
-                  <a:schemeClr val="bg1"/>
-                </a:solidFill>
-              </a:rPr>
-              <a:t>probl</a:t>
-            </a:r>
-            <a:r>
-              <a:rPr lang="fr-CA" sz="1100" dirty="0" err="1">
-                <a:solidFill>
-                  <a:schemeClr val="bg1"/>
-                </a:solidFill>
-              </a:rPr>
-              <a:t>ème</a:t>
-            </a:r>
-            <a:r>
-              <a:rPr lang="fr-CA" sz="1100" dirty="0">
-                <a:solidFill>
-                  <a:schemeClr val="bg1"/>
-                </a:solidFill>
-              </a:rPr>
-              <a:t> avec scanneur)</a:t>
+              <a:t>ème avec scanneur)</a:t>
             </a:r>
           </a:p>
           <a:p>
@@ -17026,7 +17024,7 @@
               </a:lnSpc>
             </a:pPr>
             <a:r>
-              <a:rPr lang="fr-CA" sz="1100" dirty="0">
+              <a:rPr lang="fr-CA" sz="1300">
                 <a:solidFill>
                   <a:schemeClr val="bg1"/>
                 </a:solidFill>
@@ -17041,7 +17039,7 @@
               </a:lnSpc>
             </a:pPr>
             <a:r>
-              <a:rPr lang="fr-CA" sz="1100" dirty="0">
+              <a:rPr lang="fr-CA" sz="1300">
                 <a:solidFill>
                   <a:schemeClr val="bg1"/>
                 </a:solidFill>
@@ -17056,7 +17054,7 @@
               </a:lnSpc>
             </a:pPr>
             <a:r>
-              <a:rPr lang="fr-CA" sz="1100" dirty="0">
+              <a:rPr lang="fr-CA" sz="1300">
                 <a:solidFill>
                   <a:schemeClr val="bg1"/>
                 </a:solidFill>
@@ -17071,7 +17069,7 @@
               </a:lnSpc>
             </a:pPr>
             <a:r>
-              <a:rPr lang="fr-CA" sz="1100" dirty="0">
+              <a:rPr lang="fr-CA" sz="1300">
                 <a:solidFill>
                   <a:schemeClr val="bg1"/>
                 </a:solidFill>
@@ -17085,7 +17083,7 @@
                 <a:spcPct val="90000"/>
               </a:lnSpc>
             </a:pPr>
-            <a:endParaRPr lang="fr-CA" sz="1100" dirty="0">
+            <a:endParaRPr lang="fr-CA" sz="1300">
               <a:solidFill>
                 <a:schemeClr val="bg1"/>
               </a:solidFill>
@@ -17098,7 +17096,7 @@
               </a:lnSpc>
               <a:buNone/>
             </a:pPr>
-            <a:endParaRPr lang="fr-CA" sz="1100" dirty="0">
+            <a:endParaRPr lang="fr-CA" sz="1300">
               <a:solidFill>
                 <a:schemeClr val="bg1"/>
               </a:solidFill>
@@ -17121,15 +17119,45 @@
           <p:nvPr/>
         </p:nvPicPr>
         <p:blipFill>
-          <a:blip r:embed="rId2"/>
+          <a:blip r:embed="rId3"/>
           <a:stretch>
             <a:fillRect/>
           </a:stretch>
         </p:blipFill>
         <p:spPr>
           <a:xfrm>
-            <a:off x="5297763" y="1529313"/>
-            <a:ext cx="6250769" cy="3638507"/>
+            <a:off x="8393681" y="4625848"/>
+            <a:ext cx="2949288" cy="1716750"/>
+          </a:xfrm>
+          <a:prstGeom prst="rect">
+            <a:avLst/>
+          </a:prstGeom>
+        </p:spPr>
+      </p:pic>
+      <p:pic>
+        <p:nvPicPr>
+          <p:cNvPr id="6" name="Image 5">
+            <a:extLst>
+              <a:ext uri="{FF2B5EF4-FFF2-40B4-BE49-F238E27FC236}">
+                <a16:creationId xmlns:a16="http://schemas.microsoft.com/office/drawing/2014/main" id="{6E25ADB5-D5B7-4EB4-ADD2-084DC34FF145}"/>
+              </a:ext>
+            </a:extLst>
+          </p:cNvPr>
+          <p:cNvPicPr>
+            <a:picLocks noChangeAspect="1"/>
+          </p:cNvPicPr>
+          <p:nvPr/>
+        </p:nvPicPr>
+        <p:blipFill>
+          <a:blip r:embed="rId4"/>
+          <a:stretch>
+            <a:fillRect/>
+          </a:stretch>
+        </p:blipFill>
+        <p:spPr>
+          <a:xfrm>
+            <a:off x="8991635" y="648814"/>
+            <a:ext cx="1753381" cy="1722697"/>
           </a:xfrm>
           <a:prstGeom prst="rect">
             <a:avLst/>

--- a/Presentations/Défi ESP.pptx
+++ b/Presentations/Défi ESP.pptx
@@ -16846,8 +16846,8 @@
         </p:blipFill>
         <p:spPr>
           <a:xfrm>
-            <a:off x="8457448" y="2638044"/>
-            <a:ext cx="2821755" cy="1721271"/>
+            <a:off x="7677327" y="3044033"/>
+            <a:ext cx="2590853" cy="1721271"/>
           </a:xfrm>
           <a:prstGeom prst="rect">
             <a:avLst/>
@@ -17126,7 +17126,7 @@
         </p:blipFill>
         <p:spPr>
           <a:xfrm>
-            <a:off x="8393681" y="4625848"/>
+            <a:off x="8423660" y="5028520"/>
             <a:ext cx="2949288" cy="1716750"/>
           </a:xfrm>
           <a:prstGeom prst="rect">
@@ -17156,8 +17156,38 @@
         </p:blipFill>
         <p:spPr>
           <a:xfrm>
-            <a:off x="8991635" y="648814"/>
+            <a:off x="10436094" y="3044033"/>
             <a:ext cx="1753381" cy="1722697"/>
+          </a:xfrm>
+          <a:prstGeom prst="rect">
+            <a:avLst/>
+          </a:prstGeom>
+        </p:spPr>
+      </p:pic>
+      <p:pic>
+        <p:nvPicPr>
+          <p:cNvPr id="7" name="Image 6">
+            <a:extLst>
+              <a:ext uri="{FF2B5EF4-FFF2-40B4-BE49-F238E27FC236}">
+                <a16:creationId xmlns:a16="http://schemas.microsoft.com/office/drawing/2014/main" id="{F88547E2-6334-4E12-9BAC-A7A24CE4C58D}"/>
+              </a:ext>
+            </a:extLst>
+          </p:cNvPr>
+          <p:cNvPicPr>
+            <a:picLocks noChangeAspect="1"/>
+          </p:cNvPicPr>
+          <p:nvPr/>
+        </p:nvPicPr>
+        <p:blipFill>
+          <a:blip r:embed="rId5"/>
+          <a:stretch>
+            <a:fillRect/>
+          </a:stretch>
+        </p:blipFill>
+        <p:spPr>
+          <a:xfrm>
+            <a:off x="7685661" y="26013"/>
+            <a:ext cx="4425286" cy="3018020"/>
           </a:xfrm>
           <a:prstGeom prst="rect">
             <a:avLst/>

--- a/Presentations/Défi ESP.pptx
+++ b/Presentations/Défi ESP.pptx
@@ -17166,10 +17166,10 @@
       </p:pic>
       <p:pic>
         <p:nvPicPr>
-          <p:cNvPr id="7" name="Image 6">
+          <p:cNvPr id="8" name="Image 7">
             <a:extLst>
               <a:ext uri="{FF2B5EF4-FFF2-40B4-BE49-F238E27FC236}">
-                <a16:creationId xmlns:a16="http://schemas.microsoft.com/office/drawing/2014/main" id="{F88547E2-6334-4E12-9BAC-A7A24CE4C58D}"/>
+                <a16:creationId xmlns:a16="http://schemas.microsoft.com/office/drawing/2014/main" id="{8819721E-F78E-4AEE-8722-98B7EE950897}"/>
               </a:ext>
             </a:extLst>
           </p:cNvPr>
@@ -17186,8 +17186,8 @@
         </p:blipFill>
         <p:spPr>
           <a:xfrm>
-            <a:off x="7685661" y="26013"/>
-            <a:ext cx="4425286" cy="3018020"/>
+            <a:off x="7979016" y="0"/>
+            <a:ext cx="3838575" cy="2931303"/>
           </a:xfrm>
           <a:prstGeom prst="rect">
             <a:avLst/>
